--- a/操作系统/第二章.pptx
+++ b/操作系统/第二章.pptx
@@ -177,6 +177,22 @@
       </a:defRPr>
     </a:lvl9pPr>
   </p:defaultTextStyle>
+  <p:extLst>
+    <p:ext uri="{EFAFB233-063F-42B5-8137-9DF3F51BA10A}">
+      <p15:sldGuideLst xmlns:p15="http://schemas.microsoft.com/office/powerpoint/2012/main">
+        <p15:guide id="1" orient="horz" pos="2160">
+          <p15:clr>
+            <a:srgbClr val="A4A3A4"/>
+          </p15:clr>
+        </p15:guide>
+        <p15:guide id="2" pos="2880">
+          <p15:clr>
+            <a:srgbClr val="A4A3A4"/>
+          </p15:clr>
+        </p15:guide>
+      </p15:sldGuideLst>
+    </p:ext>
+  </p:extLst>
 </p:presentation>
 </file>
 
@@ -315,7 +331,7 @@
             <a:fld id="{530820CF-B880-4189-942D-D702A7CBA730}" type="datetimeFigureOut">
               <a:rPr lang="zh-CN" altLang="en-US" smtClean="0"/>
               <a:pPr/>
-              <a:t>2017/12/8</a:t>
+              <a:t>2018/4/9</a:t>
             </a:fld>
             <a:endParaRPr lang="zh-CN" altLang="en-US"/>
           </a:p>
@@ -630,7 +646,7 @@
             <a:fld id="{530820CF-B880-4189-942D-D702A7CBA730}" type="datetimeFigureOut">
               <a:rPr lang="zh-CN" altLang="en-US" smtClean="0"/>
               <a:pPr/>
-              <a:t>2017/12/8</a:t>
+              <a:t>2018/4/9</a:t>
             </a:fld>
             <a:endParaRPr lang="zh-CN" altLang="en-US"/>
           </a:p>
@@ -817,7 +833,7 @@
             <a:fld id="{530820CF-B880-4189-942D-D702A7CBA730}" type="datetimeFigureOut">
               <a:rPr lang="zh-CN" altLang="en-US" smtClean="0"/>
               <a:pPr/>
-              <a:t>2017/12/8</a:t>
+              <a:t>2018/4/9</a:t>
             </a:fld>
             <a:endParaRPr lang="zh-CN" altLang="en-US"/>
           </a:p>
@@ -994,7 +1010,7 @@
             <a:fld id="{530820CF-B880-4189-942D-D702A7CBA730}" type="datetimeFigureOut">
               <a:rPr lang="zh-CN" altLang="en-US" smtClean="0"/>
               <a:pPr/>
-              <a:t>2017/12/8</a:t>
+              <a:t>2018/4/9</a:t>
             </a:fld>
             <a:endParaRPr lang="zh-CN" altLang="en-US"/>
           </a:p>
@@ -1264,7 +1280,7 @@
             <a:fld id="{530820CF-B880-4189-942D-D702A7CBA730}" type="datetimeFigureOut">
               <a:rPr lang="zh-CN" altLang="en-US" smtClean="0"/>
               <a:pPr/>
-              <a:t>2017/12/8</a:t>
+              <a:t>2018/4/9</a:t>
             </a:fld>
             <a:endParaRPr lang="zh-CN" altLang="en-US"/>
           </a:p>
@@ -1734,7 +1750,7 @@
             <a:fld id="{530820CF-B880-4189-942D-D702A7CBA730}" type="datetimeFigureOut">
               <a:rPr lang="zh-CN" altLang="en-US" smtClean="0"/>
               <a:pPr/>
-              <a:t>2017/12/8</a:t>
+              <a:t>2018/4/9</a:t>
             </a:fld>
             <a:endParaRPr lang="zh-CN" altLang="en-US"/>
           </a:p>
@@ -2225,7 +2241,7 @@
             <a:fld id="{530820CF-B880-4189-942D-D702A7CBA730}" type="datetimeFigureOut">
               <a:rPr lang="zh-CN" altLang="en-US" smtClean="0"/>
               <a:pPr/>
-              <a:t>2017/12/8</a:t>
+              <a:t>2018/4/9</a:t>
             </a:fld>
             <a:endParaRPr lang="zh-CN" altLang="en-US"/>
           </a:p>
@@ -2353,7 +2369,7 @@
             <a:fld id="{530820CF-B880-4189-942D-D702A7CBA730}" type="datetimeFigureOut">
               <a:rPr lang="zh-CN" altLang="en-US" smtClean="0"/>
               <a:pPr/>
-              <a:t>2017/12/8</a:t>
+              <a:t>2018/4/9</a:t>
             </a:fld>
             <a:endParaRPr lang="zh-CN" altLang="en-US"/>
           </a:p>
@@ -2499,7 +2515,7 @@
             <a:fld id="{530820CF-B880-4189-942D-D702A7CBA730}" type="datetimeFigureOut">
               <a:rPr lang="zh-CN" altLang="en-US" smtClean="0"/>
               <a:pPr/>
-              <a:t>2017/12/8</a:t>
+              <a:t>2018/4/9</a:t>
             </a:fld>
             <a:endParaRPr lang="zh-CN" altLang="en-US"/>
           </a:p>
@@ -2823,7 +2839,7 @@
             <a:fld id="{530820CF-B880-4189-942D-D702A7CBA730}" type="datetimeFigureOut">
               <a:rPr lang="zh-CN" altLang="en-US" smtClean="0"/>
               <a:pPr/>
-              <a:t>2017/12/8</a:t>
+              <a:t>2018/4/9</a:t>
             </a:fld>
             <a:endParaRPr lang="zh-CN" altLang="en-US"/>
           </a:p>
@@ -2959,7 +2975,7 @@
             <a:fld id="{530820CF-B880-4189-942D-D702A7CBA730}" type="datetimeFigureOut">
               <a:rPr lang="zh-CN" altLang="en-US" smtClean="0"/>
               <a:pPr/>
-              <a:t>2017/12/8</a:t>
+              <a:t>2018/4/9</a:t>
             </a:fld>
             <a:endParaRPr lang="zh-CN" altLang="en-US"/>
           </a:p>
@@ -3742,7 +3758,7 @@
             <a:fld id="{530820CF-B880-4189-942D-D702A7CBA730}" type="datetimeFigureOut">
               <a:rPr lang="zh-CN" altLang="en-US" smtClean="0"/>
               <a:pPr/>
-              <a:t>2017/12/8</a:t>
+              <a:t>2018/4/9</a:t>
             </a:fld>
             <a:endParaRPr lang="zh-CN" altLang="en-US"/>
           </a:p>
@@ -7976,11 +7992,7 @@
           <a:p>
             <a:r>
               <a:rPr lang="zh-CN" altLang="en-US" dirty="0" smtClean="0"/>
-              <a:t>操作系统同步机制的主要任务就是要保证在多任务共享系统资源的情况下，</a:t>
-            </a:r>
-            <a:r>
-              <a:rPr lang="zh-CN" altLang="en-US" dirty="0" smtClean="0"/>
-              <a:t>程序执行能得到正确的结果。</a:t>
+              <a:t>操作系统同步机制的主要任务就是要保证在多任务共享系统资源的情况下，程序执行能得到正确的结果。</a:t>
             </a:r>
             <a:endParaRPr lang="zh-CN" altLang="en-US" dirty="0"/>
           </a:p>
@@ -8322,11 +8334,7 @@
             <a:pPr lvl="1"/>
             <a:r>
               <a:rPr lang="zh-CN" altLang="en-US" dirty="0" smtClean="0"/>
-              <a:t>记录</a:t>
-            </a:r>
-            <a:r>
-              <a:rPr lang="zh-CN" altLang="en-US" dirty="0" smtClean="0"/>
-              <a:t>型信号量</a:t>
+              <a:t>记录型信号量</a:t>
             </a:r>
             <a:endParaRPr lang="en-US" altLang="zh-CN" dirty="0" smtClean="0"/>
           </a:p>
@@ -8680,11 +8688,7 @@
             </a:pPr>
             <a:r>
               <a:rPr lang="en-US" altLang="zh-CN" dirty="0" smtClean="0"/>
-              <a:t> </a:t>
-            </a:r>
-            <a:r>
-              <a:rPr lang="en-US" altLang="zh-CN" dirty="0" smtClean="0"/>
-              <a:t> while s&lt;= 0 do no-op;</a:t>
+              <a:t>  while s&lt;= 0 do no-op;</a:t>
             </a:r>
           </a:p>
           <a:p>
@@ -8693,11 +8697,7 @@
             </a:pPr>
             <a:r>
               <a:rPr lang="en-US" altLang="zh-CN" dirty="0" smtClean="0"/>
-              <a:t> </a:t>
-            </a:r>
-            <a:r>
-              <a:rPr lang="en-US" altLang="zh-CN" dirty="0" smtClean="0"/>
-              <a:t> s = s-1;</a:t>
+              <a:t>  s = s-1;</a:t>
             </a:r>
           </a:p>
           <a:p>
@@ -8733,11 +8733,7 @@
             </a:pPr>
             <a:r>
               <a:rPr lang="en-US" altLang="zh-CN" dirty="0" smtClean="0"/>
-              <a:t> </a:t>
-            </a:r>
-            <a:r>
-              <a:rPr lang="en-US" altLang="zh-CN" dirty="0" smtClean="0"/>
-              <a:t>   s=s+1;</a:t>
+              <a:t>    s=s+1;</a:t>
             </a:r>
           </a:p>
           <a:p>
@@ -8748,7 +8744,6 @@
               <a:rPr lang="en-US" altLang="zh-CN" dirty="0" smtClean="0"/>
               <a:t>}</a:t>
             </a:r>
-            <a:endParaRPr lang="en-US" altLang="zh-CN" dirty="0" smtClean="0"/>
           </a:p>
           <a:p>
             <a:pPr>
@@ -9345,11 +9340,7 @@
             </a:pPr>
             <a:r>
               <a:rPr lang="en-US" altLang="zh-CN" dirty="0" smtClean="0"/>
-              <a:t>	</a:t>
-            </a:r>
-            <a:r>
-              <a:rPr lang="en-US" altLang="zh-CN" dirty="0" smtClean="0"/>
-              <a:t>	</a:t>
+              <a:t>		</a:t>
             </a:r>
             <a:r>
               <a:rPr lang="en-US" altLang="zh-CN" dirty="0" err="1" smtClean="0"/>
@@ -9371,11 +9362,7 @@
             </a:pPr>
             <a:r>
               <a:rPr lang="en-US" altLang="zh-CN" dirty="0" smtClean="0"/>
-              <a:t>	</a:t>
-            </a:r>
-            <a:r>
-              <a:rPr lang="en-US" altLang="zh-CN" dirty="0" smtClean="0"/>
-              <a:t>	L: list of process;//</a:t>
+              <a:t>		L: list of process;//</a:t>
             </a:r>
             <a:r>
               <a:rPr lang="zh-CN" altLang="en-US" dirty="0" smtClean="0"/>
@@ -9491,11 +9478,7 @@
             </a:pPr>
             <a:r>
               <a:rPr lang="en-US" altLang="zh-CN" dirty="0" smtClean="0"/>
-              <a:t>p</a:t>
-            </a:r>
-            <a:r>
-              <a:rPr lang="en-US" altLang="zh-CN" dirty="0" smtClean="0"/>
-              <a:t>rocedure wait(s)</a:t>
+              <a:t>procedure wait(s)</a:t>
             </a:r>
           </a:p>
           <a:p>
@@ -9551,11 +9534,7 @@
             </a:pPr>
             <a:r>
               <a:rPr lang="en-US" altLang="zh-CN" dirty="0" smtClean="0"/>
-              <a:t>	</a:t>
-            </a:r>
-            <a:r>
-              <a:rPr lang="en-US" altLang="zh-CN" dirty="0" smtClean="0"/>
-              <a:t>	if </a:t>
+              <a:t>		if </a:t>
             </a:r>
             <a:r>
               <a:rPr lang="en-US" altLang="zh-CN" dirty="0" err="1" smtClean="0"/>
@@ -9589,11 +9568,7 @@
             </a:pPr>
             <a:r>
               <a:rPr lang="en-US" altLang="zh-CN" dirty="0" smtClean="0"/>
-              <a:t>p</a:t>
-            </a:r>
-            <a:r>
-              <a:rPr lang="en-US" altLang="zh-CN" dirty="0" smtClean="0"/>
-              <a:t>rocedure signal(s)</a:t>
+              <a:t>procedure signal(s)</a:t>
             </a:r>
           </a:p>
           <a:p>
@@ -9649,11 +9624,7 @@
             </a:pPr>
             <a:r>
               <a:rPr lang="en-US" altLang="zh-CN" dirty="0" smtClean="0"/>
-              <a:t>	</a:t>
-            </a:r>
-            <a:r>
-              <a:rPr lang="en-US" altLang="zh-CN" dirty="0" smtClean="0"/>
-              <a:t>	if </a:t>
+              <a:t>		if </a:t>
             </a:r>
             <a:r>
               <a:rPr lang="en-US" altLang="zh-CN" dirty="0" err="1" smtClean="0"/>
@@ -9931,11 +9902,7 @@
             </a:r>
             <a:r>
               <a:rPr lang="zh-CN" altLang="en-US" dirty="0" smtClean="0"/>
-              <a:t>的</a:t>
-            </a:r>
-            <a:r>
-              <a:rPr lang="zh-CN" altLang="en-US" dirty="0" smtClean="0"/>
-              <a:t>初值为</a:t>
+              <a:t>的初值为</a:t>
             </a:r>
             <a:r>
               <a:rPr lang="en-US" altLang="zh-CN" dirty="0" smtClean="0"/>
@@ -10535,11 +10502,7 @@
             </a:pPr>
             <a:r>
               <a:rPr lang="en-US" altLang="zh-CN" dirty="0" smtClean="0"/>
-              <a:t>	</a:t>
-            </a:r>
-            <a:r>
-              <a:rPr lang="en-US" altLang="zh-CN" dirty="0" smtClean="0"/>
-              <a:t>if s1&gt;=1 and … </a:t>
+              <a:t>	if s1&gt;=1 and … </a:t>
             </a:r>
             <a:r>
               <a:rPr lang="en-US" altLang="zh-CN" dirty="0" err="1" smtClean="0"/>
@@ -10556,11 +10519,7 @@
             </a:pPr>
             <a:r>
               <a:rPr lang="en-US" altLang="zh-CN" dirty="0" smtClean="0"/>
-              <a:t> </a:t>
-            </a:r>
-            <a:r>
-              <a:rPr lang="en-US" altLang="zh-CN" dirty="0" smtClean="0"/>
-              <a:t> 		for </a:t>
+              <a:t>  		for </a:t>
             </a:r>
             <a:r>
               <a:rPr lang="en-US" altLang="zh-CN" dirty="0" err="1" smtClean="0"/>
@@ -10593,11 +10552,7 @@
             </a:pPr>
             <a:r>
               <a:rPr lang="en-US" altLang="zh-CN" dirty="0" smtClean="0"/>
-              <a:t>	</a:t>
-            </a:r>
-            <a:r>
-              <a:rPr lang="en-US" altLang="zh-CN" dirty="0" smtClean="0"/>
-              <a:t>	end for</a:t>
+              <a:t>		end for</a:t>
             </a:r>
           </a:p>
           <a:p>
@@ -10606,11 +10561,7 @@
             </a:pPr>
             <a:r>
               <a:rPr lang="en-US" altLang="zh-CN" dirty="0" smtClean="0"/>
-              <a:t>	</a:t>
-            </a:r>
-            <a:r>
-              <a:rPr lang="en-US" altLang="zh-CN" dirty="0" smtClean="0"/>
-              <a:t>else</a:t>
+              <a:t>	else</a:t>
             </a:r>
           </a:p>
           <a:p>
@@ -10619,11 +10570,7 @@
             </a:pPr>
             <a:r>
               <a:rPr lang="en-US" altLang="zh-CN" dirty="0" smtClean="0"/>
-              <a:t>	</a:t>
-            </a:r>
-            <a:r>
-              <a:rPr lang="en-US" altLang="zh-CN" dirty="0" smtClean="0"/>
-              <a:t>	</a:t>
+              <a:t>		</a:t>
             </a:r>
             <a:r>
               <a:rPr lang="zh-CN" altLang="en-US" dirty="0" smtClean="0"/>
@@ -10689,11 +10636,7 @@
             </a:pPr>
             <a:r>
               <a:rPr lang="en-US" altLang="zh-CN" dirty="0" smtClean="0"/>
-              <a:t>	</a:t>
-            </a:r>
-            <a:r>
-              <a:rPr lang="en-US" altLang="zh-CN" dirty="0" smtClean="0"/>
-              <a:t>for </a:t>
+              <a:t>	for </a:t>
             </a:r>
             <a:r>
               <a:rPr lang="en-US" altLang="zh-CN" dirty="0" err="1" smtClean="0"/>
@@ -10710,11 +10653,7 @@
             </a:pPr>
             <a:r>
               <a:rPr lang="en-US" altLang="zh-CN" dirty="0" smtClean="0"/>
-              <a:t>	</a:t>
-            </a:r>
-            <a:r>
-              <a:rPr lang="en-US" altLang="zh-CN" dirty="0" smtClean="0"/>
-              <a:t>	</a:t>
+              <a:t>		</a:t>
             </a:r>
             <a:r>
               <a:rPr lang="en-US" altLang="zh-CN" dirty="0" err="1" smtClean="0"/>
@@ -10739,11 +10678,7 @@
             </a:pPr>
             <a:r>
               <a:rPr lang="en-US" altLang="zh-CN" dirty="0" smtClean="0"/>
-              <a:t>	</a:t>
-            </a:r>
-            <a:r>
-              <a:rPr lang="en-US" altLang="zh-CN" dirty="0" smtClean="0"/>
-              <a:t>	</a:t>
+              <a:t>		</a:t>
             </a:r>
             <a:r>
               <a:rPr lang="zh-CN" altLang="en-US" dirty="0" smtClean="0"/>
@@ -10765,11 +10700,7 @@
             </a:pPr>
             <a:r>
               <a:rPr lang="en-US" altLang="zh-CN" dirty="0" smtClean="0"/>
-              <a:t>	</a:t>
-            </a:r>
-            <a:r>
-              <a:rPr lang="en-US" altLang="zh-CN" dirty="0" smtClean="0"/>
-              <a:t>end for</a:t>
+              <a:t>	end for</a:t>
             </a:r>
             <a:endParaRPr lang="zh-CN" altLang="en-US" dirty="0"/>
           </a:p>
@@ -11317,11 +11248,7 @@
             <a:pPr lvl="1"/>
             <a:r>
               <a:rPr lang="zh-CN" altLang="en-US" dirty="0" smtClean="0"/>
-              <a:t>存在于外存</a:t>
-            </a:r>
-            <a:r>
-              <a:rPr lang="zh-CN" altLang="en-US" dirty="0" smtClean="0"/>
-              <a:t>中</a:t>
+              <a:t>存在于外存中</a:t>
             </a:r>
             <a:endParaRPr lang="en-US" altLang="zh-CN" dirty="0" smtClean="0"/>
           </a:p>
@@ -11523,22 +11450,14 @@
           <a:p>
             <a:r>
               <a:rPr lang="zh-CN" altLang="en-US" dirty="0" smtClean="0"/>
-              <a:t>一</a:t>
-            </a:r>
-            <a:r>
-              <a:rPr lang="zh-CN" altLang="en-US" dirty="0" smtClean="0"/>
-              <a:t>个线程可以创建和撤销另一个线程。</a:t>
-            </a:r>
-            <a:endParaRPr lang="en-US" altLang="zh-CN" dirty="0" smtClean="0"/>
-          </a:p>
-          <a:p>
-            <a:r>
-              <a:rPr lang="zh-CN" altLang="en-US" dirty="0" smtClean="0"/>
-              <a:t>同一</a:t>
-            </a:r>
-            <a:r>
-              <a:rPr lang="zh-CN" altLang="en-US" dirty="0" smtClean="0"/>
-              <a:t>个进程中的多个线程可以并发执行。</a:t>
+              <a:t>一个线程可以创建和撤销另一个线程。</a:t>
+            </a:r>
+            <a:endParaRPr lang="en-US" altLang="zh-CN" dirty="0" smtClean="0"/>
+          </a:p>
+          <a:p>
+            <a:r>
+              <a:rPr lang="zh-CN" altLang="en-US" dirty="0" smtClean="0"/>
+              <a:t>同一个进程中的多个线程可以并发执行。</a:t>
             </a:r>
             <a:endParaRPr lang="en-US" altLang="zh-CN" dirty="0" smtClean="0"/>
           </a:p>
@@ -11752,11 +11671,7 @@
             <a:pPr lvl="1"/>
             <a:r>
               <a:rPr lang="zh-CN" altLang="en-US" dirty="0" smtClean="0"/>
-              <a:t>用户</a:t>
-            </a:r>
-            <a:r>
-              <a:rPr lang="zh-CN" altLang="en-US" dirty="0" smtClean="0"/>
-              <a:t>级线程</a:t>
+              <a:t>用户级线程</a:t>
             </a:r>
             <a:endParaRPr lang="en-US" altLang="zh-CN" dirty="0" smtClean="0"/>
           </a:p>
@@ -11772,11 +11687,7 @@
             <a:pPr lvl="1"/>
             <a:r>
               <a:rPr lang="zh-CN" altLang="en-US" dirty="0" smtClean="0"/>
-              <a:t>内核</a:t>
-            </a:r>
-            <a:r>
-              <a:rPr lang="zh-CN" altLang="en-US" dirty="0" smtClean="0"/>
-              <a:t>级线程</a:t>
+              <a:t>内核级线程</a:t>
             </a:r>
             <a:endParaRPr lang="en-US" altLang="zh-CN" dirty="0" smtClean="0"/>
           </a:p>
@@ -11839,11 +11750,7 @@
             </a:r>
             <a:r>
               <a:rPr lang="zh-CN" altLang="en-US" dirty="0" smtClean="0"/>
-              <a:t>线程</a:t>
-            </a:r>
-            <a:r>
-              <a:rPr lang="zh-CN" altLang="en-US" dirty="0" smtClean="0"/>
-              <a:t>的描述</a:t>
+              <a:t>线程的描述</a:t>
             </a:r>
             <a:endParaRPr lang="zh-CN" altLang="en-US" dirty="0"/>
           </a:p>
@@ -11892,11 +11799,7 @@
             <a:pPr lvl="2"/>
             <a:r>
               <a:rPr lang="zh-CN" altLang="en-US" dirty="0" smtClean="0"/>
-              <a:t>内核</a:t>
-            </a:r>
-            <a:r>
-              <a:rPr lang="zh-CN" altLang="en-US" dirty="0" smtClean="0"/>
-              <a:t>级线程的调度由内核的线程调度程序完成，用户级线程的调度由用户线程包中的一个过程来完成。</a:t>
+              <a:t>内核级线程的调度由内核的线程调度程序完成，用户级线程的调度由用户线程包中的一个过程来完成。</a:t>
             </a:r>
             <a:endParaRPr lang="en-US" altLang="zh-CN" dirty="0" smtClean="0"/>
           </a:p>
@@ -11904,11 +11807,7 @@
             <a:pPr lvl="2"/>
             <a:r>
               <a:rPr lang="zh-CN" altLang="en-US" dirty="0" smtClean="0"/>
-              <a:t>内核</a:t>
-            </a:r>
-            <a:r>
-              <a:rPr lang="zh-CN" altLang="en-US" dirty="0" smtClean="0"/>
-              <a:t>级线程的调度程序运行在系统态，用户级线程的调度运行在用户态。</a:t>
+              <a:t>内核级线程的调度程序运行在系统态，用户级线程的调度运行在用户态。</a:t>
             </a:r>
             <a:endParaRPr lang="en-US" altLang="zh-CN" dirty="0" smtClean="0"/>
           </a:p>
@@ -11924,11 +11823,7 @@
             <a:pPr lvl="2"/>
             <a:r>
               <a:rPr lang="zh-CN" altLang="en-US" dirty="0" smtClean="0"/>
-              <a:t>内核</a:t>
-            </a:r>
-            <a:r>
-              <a:rPr lang="zh-CN" altLang="en-US" dirty="0" smtClean="0"/>
-              <a:t>级线程切换慢，用户级线程切换快。</a:t>
+              <a:t>内核级线程切换慢，用户级线程切换快。</a:t>
             </a:r>
             <a:endParaRPr lang="en-US" altLang="zh-CN" dirty="0" smtClean="0"/>
           </a:p>
@@ -11952,11 +11847,7 @@
             <a:pPr lvl="2"/>
             <a:r>
               <a:rPr lang="zh-CN" altLang="en-US" dirty="0" smtClean="0"/>
-              <a:t>内核</a:t>
-            </a:r>
-            <a:r>
-              <a:rPr lang="zh-CN" altLang="en-US" dirty="0" smtClean="0"/>
-              <a:t>级线程进行系统调用，只阻塞该线程。用户级线程的系统调用，要阻塞线程所属的进程。</a:t>
+              <a:t>内核级线程进行系统调用，只阻塞该线程。用户级线程的系统调用，要阻塞线程所属的进程。</a:t>
             </a:r>
             <a:endParaRPr lang="en-US" altLang="zh-CN" dirty="0" smtClean="0"/>
           </a:p>
@@ -11980,11 +11871,7 @@
             <a:pPr lvl="2"/>
             <a:r>
               <a:rPr lang="zh-CN" altLang="en-US" dirty="0" smtClean="0"/>
-              <a:t>内核</a:t>
-            </a:r>
-            <a:r>
-              <a:rPr lang="zh-CN" altLang="en-US" dirty="0" smtClean="0"/>
-              <a:t>级线程的</a:t>
+              <a:t>内核级线程的</a:t>
             </a:r>
             <a:r>
               <a:rPr lang="en-US" altLang="zh-CN" dirty="0" smtClean="0"/>
@@ -12382,7 +12269,19 @@
             </a:r>
             <a:r>
               <a:rPr lang="zh-CN" altLang="en-US" dirty="0" smtClean="0"/>
-              <a:t>）资源和调度。线程是程序执行的基本单位，进程是拥有资源的基本单位。</a:t>
+              <a:t>）资源和调度。</a:t>
+            </a:r>
+            <a:r>
+              <a:rPr lang="zh-CN" altLang="en-US" dirty="0" smtClean="0">
+                <a:solidFill>
+                  <a:srgbClr val="FF0000"/>
+                </a:solidFill>
+              </a:rPr>
+              <a:t>线程是程序执行的基本单位，进程是拥有资源的基本单位</a:t>
+            </a:r>
+            <a:r>
+              <a:rPr lang="zh-CN" altLang="en-US" dirty="0" smtClean="0"/>
+              <a:t>。</a:t>
             </a:r>
             <a:endParaRPr lang="en-US" altLang="zh-CN" dirty="0" smtClean="0"/>
           </a:p>
@@ -12446,13 +12345,138 @@
             </a:r>
             <a:r>
               <a:rPr lang="zh-CN" altLang="en-US" dirty="0" smtClean="0"/>
-              <a:t>）系统开销。创建进程或撤销进程的开销远大于创建线程或撤销线程的开销。同一进程中的线程的上下文切换更快。</a:t>
-            </a:r>
+              <a:t>）系统开销。创建进程或撤销进程的开销远大于创建线程或撤销线程的开销。同一进程中的线程的上下文切换更快</a:t>
+            </a:r>
+            <a:r>
+              <a:rPr lang="zh-CN" altLang="en-US" dirty="0" smtClean="0"/>
+              <a:t>。</a:t>
+            </a:r>
+            <a:endParaRPr lang="en-US" altLang="zh-CN" dirty="0" smtClean="0"/>
+          </a:p>
+          <a:p>
+            <a:pPr lvl="1"/>
+            <a:endParaRPr lang="en-US" altLang="zh-CN" dirty="0"/>
+          </a:p>
+          <a:p>
+            <a:pPr lvl="1"/>
+            <a:endParaRPr lang="en-US" altLang="zh-CN" dirty="0" smtClean="0"/>
+          </a:p>
+          <a:p>
+            <a:pPr lvl="1"/>
             <a:endParaRPr lang="en-US" altLang="zh-CN" dirty="0" smtClean="0"/>
           </a:p>
           <a:p>
             <a:pPr lvl="1"/>
             <a:endParaRPr lang="zh-CN" altLang="en-US" dirty="0"/>
+          </a:p>
+        </p:txBody>
+      </p:sp>
+      <p:sp>
+        <p:nvSpPr>
+          <p:cNvPr id="4" name="Rectangle 1"/>
+          <p:cNvSpPr>
+            <a:spLocks noChangeArrowheads="1"/>
+          </p:cNvSpPr>
+          <p:nvPr/>
+        </p:nvSpPr>
+        <p:spPr bwMode="auto">
+          <a:xfrm>
+            <a:off x="1259632" y="188799"/>
+            <a:ext cx="7416824" cy="312866"/>
+          </a:xfrm>
+          <a:prstGeom prst="rect">
+            <a:avLst/>
+          </a:prstGeom>
+          <a:solidFill>
+            <a:srgbClr val="FFFFFF"/>
+          </a:solidFill>
+          <a:ln>
+            <a:noFill/>
+          </a:ln>
+          <a:effectLst/>
+          <a:extLst>
+            <a:ext uri="{91240B29-F687-4F45-9708-019B960494DF}">
+              <a14:hiddenLine xmlns:a14="http://schemas.microsoft.com/office/drawing/2010/main" w="9525">
+                <a:solidFill>
+                  <a:schemeClr val="tx1"/>
+                </a:solidFill>
+                <a:miter lim="800000"/>
+                <a:headEnd/>
+                <a:tailEnd/>
+              </a14:hiddenLine>
+            </a:ext>
+            <a:ext uri="{AF507438-7753-43E0-B8FC-AC1667EBCBE1}">
+              <a14:hiddenEffects xmlns:a14="http://schemas.microsoft.com/office/drawing/2010/main">
+                <a:effectLst>
+                  <a:outerShdw dist="35921" dir="2700000" algn="ctr" rotWithShape="0">
+                    <a:schemeClr val="bg2"/>
+                  </a:outerShdw>
+                </a:effectLst>
+              </a14:hiddenEffects>
+            </a:ext>
+          </a:extLst>
+        </p:spPr>
+        <p:txBody>
+          <a:bodyPr vert="horz" wrap="square" lIns="0" tIns="63480" rIns="0" bIns="63480" numCol="1" anchor="ctr" anchorCtr="0" compatLnSpc="1">
+            <a:prstTxWarp prst="textNoShape">
+              <a:avLst/>
+            </a:prstTxWarp>
+            <a:spAutoFit/>
+          </a:bodyPr>
+          <a:lstStyle/>
+          <a:p>
+            <a:pPr marL="0" marR="0" lvl="0" indent="0" algn="l" defTabSz="914400" rtl="0" eaLnBrk="0" fontAlgn="base" latinLnBrk="0" hangingPunct="0">
+              <a:lnSpc>
+                <a:spcPct val="100000"/>
+              </a:lnSpc>
+              <a:spcBef>
+                <a:spcPct val="0"/>
+              </a:spcBef>
+              <a:spcAft>
+                <a:spcPct val="0"/>
+              </a:spcAft>
+              <a:buClrTx/>
+              <a:buSzTx/>
+              <a:buFontTx/>
+              <a:buNone/>
+              <a:tabLst/>
+            </a:pPr>
+            <a:r>
+              <a:rPr kumimoji="0" lang="zh-CN" altLang="zh-CN" sz="1200" b="0" i="0" u="none" strike="noStrike" cap="none" normalizeH="0" baseline="0" dirty="0" smtClean="0">
+                <a:ln>
+                  <a:noFill/>
+                </a:ln>
+                <a:solidFill>
+                  <a:srgbClr val="FF0000"/>
+                </a:solidFill>
+                <a:effectLst/>
+                <a:latin typeface="Arial Unicode MS" panose="020B0604020202020204" pitchFamily="34" charset="-122"/>
+                <a:ea typeface="PingFang SC"/>
+              </a:rPr>
+              <a:t>进程是系统进行资源分配和调度的一个独立单位. 线程是进程的一个实体,是CPU调度和分派的基本单位</a:t>
+            </a:r>
+            <a:r>
+              <a:rPr kumimoji="0" lang="zh-CN" altLang="zh-CN" sz="600" b="0" i="0" u="none" strike="noStrike" cap="none" normalizeH="0" baseline="0" dirty="0" smtClean="0">
+                <a:ln>
+                  <a:noFill/>
+                </a:ln>
+                <a:solidFill>
+                  <a:srgbClr val="FF0000"/>
+                </a:solidFill>
+                <a:effectLst/>
+              </a:rPr>
+              <a:t> </a:t>
+            </a:r>
+            <a:endParaRPr kumimoji="0" lang="zh-CN" altLang="zh-CN" sz="1800" b="0" i="0" u="none" strike="noStrike" cap="none" normalizeH="0" baseline="0" dirty="0" smtClean="0">
+              <a:ln>
+                <a:noFill/>
+              </a:ln>
+              <a:solidFill>
+                <a:srgbClr val="FF0000"/>
+              </a:solidFill>
+              <a:effectLst/>
+              <a:latin typeface="Arial" panose="020B0604020202020204" pitchFamily="34" charset="0"/>
+            </a:endParaRPr>
           </a:p>
         </p:txBody>
       </p:sp>
@@ -12619,11 +12643,7 @@
             </a:r>
             <a:r>
               <a:rPr lang="zh-CN" altLang="en-US" dirty="0" smtClean="0"/>
-              <a:t>线程</a:t>
-            </a:r>
-            <a:r>
-              <a:rPr lang="zh-CN" altLang="en-US" dirty="0" smtClean="0"/>
-              <a:t>的创建</a:t>
+              <a:t>线程的创建</a:t>
             </a:r>
             <a:endParaRPr lang="zh-CN" altLang="en-US" dirty="0"/>
           </a:p>
@@ -13143,15 +13163,7 @@
             </a:r>
             <a:r>
               <a:rPr lang="zh-CN" altLang="en-US" dirty="0" smtClean="0"/>
-              <a:t>）将该</a:t>
-            </a:r>
-            <a:r>
-              <a:rPr lang="zh-CN" altLang="en-US" dirty="0" smtClean="0"/>
-              <a:t>线程所属</a:t>
-            </a:r>
-            <a:r>
-              <a:rPr lang="zh-CN" altLang="en-US" dirty="0" smtClean="0"/>
-              <a:t>进程的进程控制块插入相应的进程阻塞队列。</a:t>
+              <a:t>）将该线程所属进程的进程控制块插入相应的进程阻塞队列。</a:t>
             </a:r>
             <a:endParaRPr lang="en-US" altLang="zh-CN" dirty="0" smtClean="0"/>
           </a:p>
@@ -13355,11 +13367,7 @@
           <a:p>
             <a:r>
               <a:rPr lang="zh-CN" altLang="en-US" dirty="0" smtClean="0"/>
-              <a:t>用户线程</a:t>
-            </a:r>
-            <a:r>
-              <a:rPr lang="zh-CN" altLang="en-US" dirty="0" smtClean="0"/>
-              <a:t>的唤醒过程：</a:t>
+              <a:t>用户线程的唤醒过程：</a:t>
             </a:r>
             <a:endParaRPr lang="en-US" altLang="zh-CN" dirty="0" smtClean="0"/>
           </a:p>
@@ -13375,15 +13383,7 @@
             </a:r>
             <a:r>
               <a:rPr lang="zh-CN" altLang="en-US" dirty="0" smtClean="0"/>
-              <a:t>）将</a:t>
-            </a:r>
-            <a:r>
-              <a:rPr lang="zh-CN" altLang="en-US" dirty="0" smtClean="0"/>
-              <a:t>该</a:t>
-            </a:r>
-            <a:r>
-              <a:rPr lang="zh-CN" altLang="en-US" dirty="0" smtClean="0"/>
-              <a:t>线程所属进程的状态由阻塞改为就绪。</a:t>
+              <a:t>）将该线程所属进程的状态由阻塞改为就绪。</a:t>
             </a:r>
             <a:endParaRPr lang="en-US" altLang="zh-CN" dirty="0" smtClean="0"/>
           </a:p>
@@ -13399,15 +13399,7 @@
             </a:r>
             <a:r>
               <a:rPr lang="zh-CN" altLang="en-US" dirty="0" smtClean="0"/>
-              <a:t>）</a:t>
-            </a:r>
-            <a:r>
-              <a:rPr lang="zh-CN" altLang="en-US" dirty="0" smtClean="0"/>
-              <a:t>将该线程所属</a:t>
-            </a:r>
-            <a:r>
-              <a:rPr lang="zh-CN" altLang="en-US" dirty="0" smtClean="0"/>
-              <a:t>进程的进程控制块从进程阻塞队列中移出。</a:t>
+              <a:t>）将该线程所属进程的进程控制块从进程阻塞队列中移出。</a:t>
             </a:r>
             <a:endParaRPr lang="en-US" altLang="zh-CN" dirty="0" smtClean="0"/>
           </a:p>
@@ -13423,15 +13415,7 @@
             </a:r>
             <a:r>
               <a:rPr lang="zh-CN" altLang="en-US" dirty="0" smtClean="0"/>
-              <a:t>）</a:t>
-            </a:r>
-            <a:r>
-              <a:rPr lang="zh-CN" altLang="en-US" dirty="0" smtClean="0"/>
-              <a:t>将该线程所属进程的进程控制</a:t>
-            </a:r>
-            <a:r>
-              <a:rPr lang="zh-CN" altLang="en-US" dirty="0" smtClean="0"/>
-              <a:t>块插入进程就绪队列。</a:t>
+              <a:t>）将该线程所属进程的进程控制块插入进程就绪队列。</a:t>
             </a:r>
             <a:endParaRPr lang="en-US" altLang="zh-CN" dirty="0" smtClean="0"/>
           </a:p>
@@ -13463,11 +13447,7 @@
             </a:r>
             <a:r>
               <a:rPr lang="zh-CN" altLang="en-US" dirty="0" smtClean="0"/>
-              <a:t>）</a:t>
-            </a:r>
-            <a:r>
-              <a:rPr lang="zh-CN" altLang="en-US" dirty="0" smtClean="0"/>
-              <a:t>将该线程的线程控制块从线程阻塞队列中移出。</a:t>
+              <a:t>）将该线程的线程控制块从线程阻塞队列中移出。</a:t>
             </a:r>
             <a:endParaRPr lang="en-US" altLang="zh-CN" dirty="0" smtClean="0"/>
           </a:p>
@@ -13485,7 +13465,6 @@
               <a:rPr lang="zh-CN" altLang="en-US" dirty="0" smtClean="0"/>
               <a:t>）将该线程的线程控制块插入线程就绪队列。</a:t>
             </a:r>
-            <a:endParaRPr lang="zh-CN" altLang="en-US" dirty="0" smtClean="0"/>
           </a:p>
           <a:p>
             <a:endParaRPr lang="zh-CN" altLang="en-US" dirty="0"/>
@@ -13563,11 +13542,7 @@
           <a:p>
             <a:r>
               <a:rPr lang="zh-CN" altLang="en-US" dirty="0" smtClean="0"/>
-              <a:t>内核线程</a:t>
-            </a:r>
-            <a:r>
-              <a:rPr lang="zh-CN" altLang="en-US" dirty="0" smtClean="0"/>
-              <a:t>的阻塞过程</a:t>
+              <a:t>内核线程的阻塞过程</a:t>
             </a:r>
             <a:endParaRPr lang="en-US" altLang="zh-CN" dirty="0" smtClean="0"/>
           </a:p>
@@ -13615,35 +13590,7 @@
             </a:r>
             <a:r>
               <a:rPr lang="zh-CN" altLang="en-US" dirty="0" smtClean="0"/>
-              <a:t>）</a:t>
-            </a:r>
-            <a:r>
-              <a:rPr lang="zh-CN" altLang="en-US" dirty="0" smtClean="0"/>
-              <a:t>将控制传递</a:t>
-            </a:r>
-            <a:r>
-              <a:rPr lang="zh-CN" altLang="en-US" dirty="0" smtClean="0"/>
-              <a:t>给线程调度程序</a:t>
-            </a:r>
-            <a:r>
-              <a:rPr lang="zh-CN" altLang="en-US" dirty="0" smtClean="0"/>
-              <a:t>，重新</a:t>
-            </a:r>
-            <a:r>
-              <a:rPr lang="zh-CN" altLang="en-US" dirty="0" smtClean="0"/>
-              <a:t>进行</a:t>
-            </a:r>
-            <a:r>
-              <a:rPr lang="zh-CN" altLang="en-US" dirty="0" smtClean="0"/>
-              <a:t>线程</a:t>
-            </a:r>
-            <a:r>
-              <a:rPr lang="zh-CN" altLang="en-US" dirty="0" smtClean="0"/>
-              <a:t>调度</a:t>
-            </a:r>
-            <a:r>
-              <a:rPr lang="zh-CN" altLang="en-US" dirty="0" smtClean="0"/>
-              <a:t>。</a:t>
+              <a:t>）将控制传递给线程调度程序，重新进行线程调度。</a:t>
             </a:r>
           </a:p>
           <a:p>
@@ -13722,11 +13669,7 @@
           <a:p>
             <a:r>
               <a:rPr lang="zh-CN" altLang="en-US" dirty="0" smtClean="0"/>
-              <a:t>内核线程</a:t>
-            </a:r>
-            <a:r>
-              <a:rPr lang="zh-CN" altLang="en-US" dirty="0" smtClean="0"/>
-              <a:t>的唤醒过程：</a:t>
+              <a:t>内核线程的唤醒过程：</a:t>
             </a:r>
             <a:endParaRPr lang="en-US" altLang="zh-CN" dirty="0" smtClean="0"/>
           </a:p>
@@ -13742,11 +13685,7 @@
             </a:r>
             <a:r>
               <a:rPr lang="zh-CN" altLang="en-US" dirty="0" smtClean="0"/>
-              <a:t>）</a:t>
-            </a:r>
-            <a:r>
-              <a:rPr lang="zh-CN" altLang="en-US" dirty="0" smtClean="0"/>
-              <a:t>将该线程状态由阻塞改为就绪。</a:t>
+              <a:t>）将该线程状态由阻塞改为就绪。</a:t>
             </a:r>
             <a:endParaRPr lang="en-US" altLang="zh-CN" dirty="0" smtClean="0"/>
           </a:p>
